--- a/documents/slides/E3.pptx
+++ b/documents/slides/E3.pptx
@@ -263,91 +263,6 @@
             <pc:docMk/>
             <pc:sldMk cId="3577190249" sldId="259"/>
             <ac:picMk id="5" creationId="{701BB91C-6134-8655-BC58-A1B7D68F3DFF}"/>
-          </ac:picMkLst>
-        </pc:picChg>
-      </pc:sldChg>
-    </pc:docChg>
-  </pc:docChgLst>
-  <pc:docChgLst>
-    <pc:chgData name="Kiyota Masahiro" userId="e441299d5ea334ba" providerId="LiveId" clId="{ECCDDB6F-AC77-4E21-86FB-ABBE1C405909}"/>
-    <pc:docChg chg="undo custSel delSld modSld">
-      <pc:chgData name="Kiyota Masahiro" userId="e441299d5ea334ba" providerId="LiveId" clId="{ECCDDB6F-AC77-4E21-86FB-ABBE1C405909}" dt="2022-10-24T14:20:46.774" v="712" actId="47"/>
-      <pc:docMkLst>
-        <pc:docMk/>
-      </pc:docMkLst>
-      <pc:sldChg chg="modSp mod">
-        <pc:chgData name="Kiyota Masahiro" userId="e441299d5ea334ba" providerId="LiveId" clId="{ECCDDB6F-AC77-4E21-86FB-ABBE1C405909}" dt="2022-10-24T08:33:37.549" v="474" actId="27636"/>
-        <pc:sldMkLst>
-          <pc:docMk/>
-          <pc:sldMk cId="3570340467" sldId="258"/>
-        </pc:sldMkLst>
-        <pc:spChg chg="mod">
-          <ac:chgData name="Kiyota Masahiro" userId="e441299d5ea334ba" providerId="LiveId" clId="{ECCDDB6F-AC77-4E21-86FB-ABBE1C405909}" dt="2022-10-24T08:33:37.549" v="474" actId="27636"/>
-          <ac:spMkLst>
-            <pc:docMk/>
-            <pc:sldMk cId="3570340467" sldId="258"/>
-            <ac:spMk id="3" creationId="{5D4B9893-823A-34F4-2DCD-0210BF97E2EF}"/>
-          </ac:spMkLst>
-        </pc:spChg>
-      </pc:sldChg>
-      <pc:sldChg chg="modSp del mod">
-        <pc:chgData name="Kiyota Masahiro" userId="e441299d5ea334ba" providerId="LiveId" clId="{ECCDDB6F-AC77-4E21-86FB-ABBE1C405909}" dt="2022-10-24T14:20:46.774" v="712" actId="47"/>
-        <pc:sldMkLst>
-          <pc:docMk/>
-          <pc:sldMk cId="467953592" sldId="260"/>
-        </pc:sldMkLst>
-        <pc:spChg chg="mod">
-          <ac:chgData name="Kiyota Masahiro" userId="e441299d5ea334ba" providerId="LiveId" clId="{ECCDDB6F-AC77-4E21-86FB-ABBE1C405909}" dt="2022-10-24T08:33:37.560" v="475" actId="27636"/>
-          <ac:spMkLst>
-            <pc:docMk/>
-            <pc:sldMk cId="467953592" sldId="260"/>
-            <ac:spMk id="3" creationId="{5D4B9893-823A-34F4-2DCD-0210BF97E2EF}"/>
-          </ac:spMkLst>
-        </pc:spChg>
-      </pc:sldChg>
-      <pc:sldChg chg="modSp mod">
-        <pc:chgData name="Kiyota Masahiro" userId="e441299d5ea334ba" providerId="LiveId" clId="{ECCDDB6F-AC77-4E21-86FB-ABBE1C405909}" dt="2022-10-24T08:37:29.453" v="606" actId="20577"/>
-        <pc:sldMkLst>
-          <pc:docMk/>
-          <pc:sldMk cId="2528623151" sldId="264"/>
-        </pc:sldMkLst>
-        <pc:spChg chg="mod">
-          <ac:chgData name="Kiyota Masahiro" userId="e441299d5ea334ba" providerId="LiveId" clId="{ECCDDB6F-AC77-4E21-86FB-ABBE1C405909}" dt="2022-10-24T08:37:29.453" v="606" actId="20577"/>
-          <ac:spMkLst>
-            <pc:docMk/>
-            <pc:sldMk cId="2528623151" sldId="264"/>
-            <ac:spMk id="2" creationId="{DADF01E3-C48B-8081-4F03-D81B7CCA3253}"/>
-          </ac:spMkLst>
-        </pc:spChg>
-        <pc:graphicFrameChg chg="modGraphic">
-          <ac:chgData name="Kiyota Masahiro" userId="e441299d5ea334ba" providerId="LiveId" clId="{ECCDDB6F-AC77-4E21-86FB-ABBE1C405909}" dt="2022-10-24T08:37:00.326" v="574" actId="20577"/>
-          <ac:graphicFrameMkLst>
-            <pc:docMk/>
-            <pc:sldMk cId="2528623151" sldId="264"/>
-            <ac:graphicFrameMk id="3" creationId="{3EEFCDA4-10F2-8E3C-83F2-ED830349EF8E}"/>
-          </ac:graphicFrameMkLst>
-        </pc:graphicFrameChg>
-      </pc:sldChg>
-      <pc:sldChg chg="addSp modSp mod">
-        <pc:chgData name="Kiyota Masahiro" userId="e441299d5ea334ba" providerId="LiveId" clId="{ECCDDB6F-AC77-4E21-86FB-ABBE1C405909}" dt="2022-10-24T08:48:56.626" v="711" actId="20577"/>
-        <pc:sldMkLst>
-          <pc:docMk/>
-          <pc:sldMk cId="1730664281" sldId="266"/>
-        </pc:sldMkLst>
-        <pc:spChg chg="mod">
-          <ac:chgData name="Kiyota Masahiro" userId="e441299d5ea334ba" providerId="LiveId" clId="{ECCDDB6F-AC77-4E21-86FB-ABBE1C405909}" dt="2022-10-24T08:48:56.626" v="711" actId="20577"/>
-          <ac:spMkLst>
-            <pc:docMk/>
-            <pc:sldMk cId="1730664281" sldId="266"/>
-            <ac:spMk id="2" creationId="{DADF01E3-C48B-8081-4F03-D81B7CCA3253}"/>
-          </ac:spMkLst>
-        </pc:spChg>
-        <pc:picChg chg="add mod">
-          <ac:chgData name="Kiyota Masahiro" userId="e441299d5ea334ba" providerId="LiveId" clId="{ECCDDB6F-AC77-4E21-86FB-ABBE1C405909}" dt="2022-10-24T08:38:12.308" v="608" actId="1076"/>
-          <ac:picMkLst>
-            <pc:docMk/>
-            <pc:sldMk cId="1730664281" sldId="266"/>
-            <ac:picMk id="6" creationId="{81298FA1-EE48-0D83-06B4-FA79CD67E952}"/>
           </ac:picMkLst>
         </pc:picChg>
       </pc:sldChg>
@@ -1214,6 +1129,91 @@
       </pc:sldMasterChg>
     </pc:docChg>
   </pc:docChgLst>
+  <pc:docChgLst>
+    <pc:chgData name="Kiyota Masahiro" userId="e441299d5ea334ba" providerId="LiveId" clId="{ECCDDB6F-AC77-4E21-86FB-ABBE1C405909}"/>
+    <pc:docChg chg="undo custSel delSld modSld">
+      <pc:chgData name="Kiyota Masahiro" userId="e441299d5ea334ba" providerId="LiveId" clId="{ECCDDB6F-AC77-4E21-86FB-ABBE1C405909}" dt="2022-10-24T14:20:46.774" v="712" actId="47"/>
+      <pc:docMkLst>
+        <pc:docMk/>
+      </pc:docMkLst>
+      <pc:sldChg chg="modSp mod">
+        <pc:chgData name="Kiyota Masahiro" userId="e441299d5ea334ba" providerId="LiveId" clId="{ECCDDB6F-AC77-4E21-86FB-ABBE1C405909}" dt="2022-10-24T08:33:37.549" v="474" actId="27636"/>
+        <pc:sldMkLst>
+          <pc:docMk/>
+          <pc:sldMk cId="3570340467" sldId="258"/>
+        </pc:sldMkLst>
+        <pc:spChg chg="mod">
+          <ac:chgData name="Kiyota Masahiro" userId="e441299d5ea334ba" providerId="LiveId" clId="{ECCDDB6F-AC77-4E21-86FB-ABBE1C405909}" dt="2022-10-24T08:33:37.549" v="474" actId="27636"/>
+          <ac:spMkLst>
+            <pc:docMk/>
+            <pc:sldMk cId="3570340467" sldId="258"/>
+            <ac:spMk id="3" creationId="{5D4B9893-823A-34F4-2DCD-0210BF97E2EF}"/>
+          </ac:spMkLst>
+        </pc:spChg>
+      </pc:sldChg>
+      <pc:sldChg chg="modSp del mod">
+        <pc:chgData name="Kiyota Masahiro" userId="e441299d5ea334ba" providerId="LiveId" clId="{ECCDDB6F-AC77-4E21-86FB-ABBE1C405909}" dt="2022-10-24T14:20:46.774" v="712" actId="47"/>
+        <pc:sldMkLst>
+          <pc:docMk/>
+          <pc:sldMk cId="467953592" sldId="260"/>
+        </pc:sldMkLst>
+        <pc:spChg chg="mod">
+          <ac:chgData name="Kiyota Masahiro" userId="e441299d5ea334ba" providerId="LiveId" clId="{ECCDDB6F-AC77-4E21-86FB-ABBE1C405909}" dt="2022-10-24T08:33:37.560" v="475" actId="27636"/>
+          <ac:spMkLst>
+            <pc:docMk/>
+            <pc:sldMk cId="467953592" sldId="260"/>
+            <ac:spMk id="3" creationId="{5D4B9893-823A-34F4-2DCD-0210BF97E2EF}"/>
+          </ac:spMkLst>
+        </pc:spChg>
+      </pc:sldChg>
+      <pc:sldChg chg="modSp mod">
+        <pc:chgData name="Kiyota Masahiro" userId="e441299d5ea334ba" providerId="LiveId" clId="{ECCDDB6F-AC77-4E21-86FB-ABBE1C405909}" dt="2022-10-24T08:37:29.453" v="606" actId="20577"/>
+        <pc:sldMkLst>
+          <pc:docMk/>
+          <pc:sldMk cId="2528623151" sldId="264"/>
+        </pc:sldMkLst>
+        <pc:spChg chg="mod">
+          <ac:chgData name="Kiyota Masahiro" userId="e441299d5ea334ba" providerId="LiveId" clId="{ECCDDB6F-AC77-4E21-86FB-ABBE1C405909}" dt="2022-10-24T08:37:29.453" v="606" actId="20577"/>
+          <ac:spMkLst>
+            <pc:docMk/>
+            <pc:sldMk cId="2528623151" sldId="264"/>
+            <ac:spMk id="2" creationId="{DADF01E3-C48B-8081-4F03-D81B7CCA3253}"/>
+          </ac:spMkLst>
+        </pc:spChg>
+        <pc:graphicFrameChg chg="modGraphic">
+          <ac:chgData name="Kiyota Masahiro" userId="e441299d5ea334ba" providerId="LiveId" clId="{ECCDDB6F-AC77-4E21-86FB-ABBE1C405909}" dt="2022-10-24T08:37:00.326" v="574" actId="20577"/>
+          <ac:graphicFrameMkLst>
+            <pc:docMk/>
+            <pc:sldMk cId="2528623151" sldId="264"/>
+            <ac:graphicFrameMk id="3" creationId="{3EEFCDA4-10F2-8E3C-83F2-ED830349EF8E}"/>
+          </ac:graphicFrameMkLst>
+        </pc:graphicFrameChg>
+      </pc:sldChg>
+      <pc:sldChg chg="addSp modSp mod">
+        <pc:chgData name="Kiyota Masahiro" userId="e441299d5ea334ba" providerId="LiveId" clId="{ECCDDB6F-AC77-4E21-86FB-ABBE1C405909}" dt="2022-10-24T08:48:56.626" v="711" actId="20577"/>
+        <pc:sldMkLst>
+          <pc:docMk/>
+          <pc:sldMk cId="1730664281" sldId="266"/>
+        </pc:sldMkLst>
+        <pc:spChg chg="mod">
+          <ac:chgData name="Kiyota Masahiro" userId="e441299d5ea334ba" providerId="LiveId" clId="{ECCDDB6F-AC77-4E21-86FB-ABBE1C405909}" dt="2022-10-24T08:48:56.626" v="711" actId="20577"/>
+          <ac:spMkLst>
+            <pc:docMk/>
+            <pc:sldMk cId="1730664281" sldId="266"/>
+            <ac:spMk id="2" creationId="{DADF01E3-C48B-8081-4F03-D81B7CCA3253}"/>
+          </ac:spMkLst>
+        </pc:spChg>
+        <pc:picChg chg="add mod">
+          <ac:chgData name="Kiyota Masahiro" userId="e441299d5ea334ba" providerId="LiveId" clId="{ECCDDB6F-AC77-4E21-86FB-ABBE1C405909}" dt="2022-10-24T08:38:12.308" v="608" actId="1076"/>
+          <ac:picMkLst>
+            <pc:docMk/>
+            <pc:sldMk cId="1730664281" sldId="266"/>
+            <ac:picMk id="6" creationId="{81298FA1-EE48-0D83-06B4-FA79CD67E952}"/>
+          </ac:picMkLst>
+        </pc:picChg>
+      </pc:sldChg>
+    </pc:docChg>
+  </pc:docChgLst>
 </pc:chgInfo>
 </file>
 
@@ -1299,7 +1299,7 @@
           <a:p>
             <a:fld id="{E1DB1B43-8CBF-9442-B263-02BC4E45E08E}" type="datetimeFigureOut">
               <a:rPr lang="en-JP" smtClean="0"/>
-              <a:t>2022/11/04</a:t>
+              <a:t>2022/11/08</a:t>
             </a:fld>
             <a:endParaRPr lang="en-JP"/>
           </a:p>
@@ -1698,7 +1698,7 @@
           <a:p>
             <a:fld id="{BB518C8C-D7F5-6344-B995-F7141100A8AE}" type="datetime1">
               <a:rPr kumimoji="1" lang="en-US" altLang="ja-JP" smtClean="0"/>
-              <a:t>11/4/22</a:t>
+              <a:t>11/8/22</a:t>
             </a:fld>
             <a:endParaRPr kumimoji="1" lang="ja-JP" altLang="en-US"/>
           </a:p>
@@ -1868,7 +1868,7 @@
           <a:p>
             <a:fld id="{6D6D99F6-91C8-FC40-91AD-5BB5F6210DA4}" type="datetime1">
               <a:rPr kumimoji="1" lang="en-US" altLang="ja-JP" smtClean="0"/>
-              <a:t>11/4/22</a:t>
+              <a:t>11/8/22</a:t>
             </a:fld>
             <a:endParaRPr kumimoji="1" lang="ja-JP" altLang="en-US"/>
           </a:p>
@@ -2048,7 +2048,7 @@
           <a:p>
             <a:fld id="{C5C9591B-9B31-A84C-9A8E-49B6D468B51C}" type="datetime1">
               <a:rPr kumimoji="1" lang="en-US" altLang="ja-JP" smtClean="0"/>
-              <a:t>11/4/22</a:t>
+              <a:t>11/8/22</a:t>
             </a:fld>
             <a:endParaRPr kumimoji="1" lang="ja-JP" altLang="en-US"/>
           </a:p>
@@ -2218,7 +2218,7 @@
           <a:p>
             <a:fld id="{36871663-711D-2E45-BEBC-D021A9C81B28}" type="datetime1">
               <a:rPr kumimoji="1" lang="en-US" altLang="ja-JP" smtClean="0"/>
-              <a:t>11/4/22</a:t>
+              <a:t>11/8/22</a:t>
             </a:fld>
             <a:endParaRPr kumimoji="1" lang="ja-JP" altLang="en-US"/>
           </a:p>
@@ -2464,7 +2464,7 @@
           <a:p>
             <a:fld id="{FCF3140A-53E7-2041-9877-0C999FDC03C6}" type="datetime1">
               <a:rPr kumimoji="1" lang="en-US" altLang="ja-JP" smtClean="0"/>
-              <a:t>11/4/22</a:t>
+              <a:t>11/8/22</a:t>
             </a:fld>
             <a:endParaRPr kumimoji="1" lang="ja-JP" altLang="en-US"/>
           </a:p>
@@ -2696,7 +2696,7 @@
           <a:p>
             <a:fld id="{447E3F32-1284-2148-AD87-1CAA12F51FAC}" type="datetime1">
               <a:rPr kumimoji="1" lang="en-US" altLang="ja-JP" smtClean="0"/>
-              <a:t>11/4/22</a:t>
+              <a:t>11/8/22</a:t>
             </a:fld>
             <a:endParaRPr kumimoji="1" lang="ja-JP" altLang="en-US"/>
           </a:p>
@@ -3063,7 +3063,7 @@
           <a:p>
             <a:fld id="{23ED0E76-2ED7-EE43-9AD5-321C3B403F6C}" type="datetime1">
               <a:rPr kumimoji="1" lang="en-US" altLang="ja-JP" smtClean="0"/>
-              <a:t>11/4/22</a:t>
+              <a:t>11/8/22</a:t>
             </a:fld>
             <a:endParaRPr kumimoji="1" lang="ja-JP" altLang="en-US"/>
           </a:p>
@@ -3181,7 +3181,7 @@
           <a:p>
             <a:fld id="{7A3881EB-596A-894A-A8C7-EBC12384BCE9}" type="datetime1">
               <a:rPr kumimoji="1" lang="en-US" altLang="ja-JP" smtClean="0"/>
-              <a:t>11/4/22</a:t>
+              <a:t>11/8/22</a:t>
             </a:fld>
             <a:endParaRPr kumimoji="1" lang="ja-JP" altLang="en-US"/>
           </a:p>
@@ -3276,7 +3276,7 @@
           <a:p>
             <a:fld id="{335A588B-EA7B-9B48-8182-D7D348CFD703}" type="datetime1">
               <a:rPr kumimoji="1" lang="en-US" altLang="ja-JP" smtClean="0"/>
-              <a:t>11/4/22</a:t>
+              <a:t>11/8/22</a:t>
             </a:fld>
             <a:endParaRPr kumimoji="1" lang="ja-JP" altLang="en-US"/>
           </a:p>
@@ -3553,7 +3553,7 @@
           <a:p>
             <a:fld id="{5897CF7C-0281-7D4D-891B-DAB6BE8A33B8}" type="datetime1">
               <a:rPr kumimoji="1" lang="en-US" altLang="ja-JP" smtClean="0"/>
-              <a:t>11/4/22</a:t>
+              <a:t>11/8/22</a:t>
             </a:fld>
             <a:endParaRPr kumimoji="1" lang="ja-JP" altLang="en-US"/>
           </a:p>
@@ -3810,7 +3810,7 @@
           <a:p>
             <a:fld id="{6EE3AFE8-27FB-E64E-B3D9-99E3C59BAE5F}" type="datetime1">
               <a:rPr kumimoji="1" lang="en-US" altLang="ja-JP" smtClean="0"/>
-              <a:t>11/4/22</a:t>
+              <a:t>11/8/22</a:t>
             </a:fld>
             <a:endParaRPr kumimoji="1" lang="ja-JP" altLang="en-US"/>
           </a:p>
@@ -4023,7 +4023,7 @@
           <a:p>
             <a:fld id="{5698925E-889A-624D-9EC5-C3302A339106}" type="datetime1">
               <a:rPr kumimoji="1" lang="en-US" altLang="ja-JP" smtClean="0"/>
-              <a:t>11/4/22</a:t>
+              <a:t>11/8/22</a:t>
             </a:fld>
             <a:endParaRPr kumimoji="1" lang="ja-JP" altLang="en-US"/>
           </a:p>
@@ -4722,7 +4722,7 @@
         <p:spPr>
           <a:xfrm>
             <a:off x="775251" y="4899991"/>
-            <a:ext cx="6858000" cy="1371600"/>
+            <a:ext cx="8836340" cy="1371600"/>
           </a:xfrm>
           <a:prstGeom prst="rect">
             <a:avLst/>
@@ -4903,7 +4903,21 @@
                 <a:latin typeface="Avenir Next Medium" panose="020B0503020202020204" pitchFamily="34" charset="0"/>
                 <a:cs typeface="Segoe UI" panose="020B0502040204020203" pitchFamily="34" charset="0"/>
               </a:rPr>
-              <a:t>Masahiro Kiyota</a:t>
+              <a:t>Masahiro Kiyota*, </a:t>
+            </a:r>
+            <a:r>
+              <a:rPr lang="en-US" sz="2800" dirty="0" err="1">
+                <a:latin typeface="Avenir Next Medium" panose="020B0503020202020204" pitchFamily="34" charset="0"/>
+                <a:cs typeface="Segoe UI" panose="020B0502040204020203" pitchFamily="34" charset="0"/>
+              </a:rPr>
+              <a:t>Naohiro</a:t>
+            </a:r>
+            <a:r>
+              <a:rPr lang="en-US" sz="2800" dirty="0">
+                <a:latin typeface="Avenir Next Medium" panose="020B0503020202020204" pitchFamily="34" charset="0"/>
+                <a:cs typeface="Segoe UI" panose="020B0502040204020203" pitchFamily="34" charset="0"/>
+              </a:rPr>
+              <a:t> Okada, Kiyoto Kasai</a:t>
             </a:r>
           </a:p>
           <a:p>
